--- a/최종프로젝트(국회의원_분석)/프로젝트 데이터/기획서&발표자료/[4차 6기](3조_노구리)제 20대 서울시 국회의원 평가 서비스.pptx
+++ b/최종프로젝트(국회의원_분석)/프로젝트 데이터/기획서&발표자료/[4차 6기](3조_노구리)제 20대 서울시 국회의원 평가 서비스.pptx
@@ -1,6 +1,6 @@
 
 <file path=ppt/presentation.xml><?xml version="1.0" encoding="utf-8"?>
-<p:presentation xmlns:a="http://schemas.openxmlformats.org/drawingml/2006/main" xmlns:r="http://schemas.openxmlformats.org/officeDocument/2006/relationships" xmlns:p="http://schemas.openxmlformats.org/presentationml/2006/main" showSpecialPlsOnTitleSld="0" saveSubsetFonts="1">
+<p:presentation xmlns:a="http://schemas.openxmlformats.org/drawingml/2006/main" xmlns:r="http://schemas.openxmlformats.org/officeDocument/2006/relationships" xmlns:p="http://schemas.openxmlformats.org/presentationml/2006/main" showSpecialPlsOnTitleSld="0" embedTrueTypeFonts="1" saveSubsetFonts="1">
   <p:sldMasterIdLst>
     <p:sldMasterId id="2147483648" r:id="rId1"/>
   </p:sldMasterIdLst>
@@ -30,6 +30,29 @@
   </p:sldIdLst>
   <p:sldSz cx="12192000" cy="6858000"/>
   <p:notesSz cx="6797675" cy="9926638"/>
+  <p:embeddedFontLst>
+    <p:embeddedFont>
+      <p:font typeface="경기천년제목 Bold" panose="02020803020101020101" pitchFamily="18" charset="-127"/>
+      <p:bold r:id="rId22"/>
+    </p:embeddedFont>
+    <p:embeddedFont>
+      <p:font typeface="경기천년제목 Medium" panose="02020603020101020101" pitchFamily="18" charset="-127"/>
+      <p:regular r:id="rId23"/>
+    </p:embeddedFont>
+    <p:embeddedFont>
+      <p:font typeface="맑은 고딕" panose="020B0503020000020004" pitchFamily="50" charset="-127"/>
+      <p:regular r:id="rId24"/>
+      <p:bold r:id="rId25"/>
+    </p:embeddedFont>
+    <p:embeddedFont>
+      <p:font typeface="Impact" panose="020B0806030902050204" pitchFamily="34" charset="0"/>
+      <p:regular r:id="rId26"/>
+    </p:embeddedFont>
+    <p:embeddedFont>
+      <p:font typeface="Lucida Console" panose="020B0609040504020204" pitchFamily="49" charset="0"/>
+      <p:regular r:id="rId27"/>
+    </p:embeddedFont>
+  </p:embeddedFontLst>
   <p:defaultTextStyle>
     <a:defPPr>
       <a:defRPr lang="ko-KR"/>
@@ -4966,7 +4989,7 @@
           <a:p>
             <a:fld id="{1EE793DA-B02C-4C42-9760-40F495DA40F8}" type="datetimeFigureOut">
               <a:rPr lang="ko-KR" altLang="en-US" smtClean="0"/>
-              <a:t>2020-04-27</a:t>
+              <a:t>2020-04-28</a:t>
             </a:fld>
             <a:endParaRPr lang="ko-KR" altLang="en-US"/>
           </a:p>
